--- a/output/Project4_presentation.pptx
+++ b/output/Project4_presentation.pptx
@@ -125,6 +125,14 @@
       </a:defRPr>
     </a:lvl9pPr>
   </p:defaultTextStyle>
+  <p:extLst>
+    <p:ext uri="{EFAFB233-063F-42B5-8137-9DF3F51BA10A}">
+      <p15:sldGuideLst xmlns:p15="http://schemas.microsoft.com/office/powerpoint/2012/main"/>
+    </p:ext>
+    <p:ext uri="{2D200454-40CA-4A62-9FC3-DE9A4176ACB9}">
+      <p15:notesGuideLst xmlns:p15="http://schemas.microsoft.com/office/powerpoint/2012/main"/>
+    </p:ext>
+  </p:extLst>
 </p:presentation>
 </file>
 
@@ -1285,11 +1293,7 @@
           <a:p>
             <a:r>
               <a:rPr lang="en-US" dirty="0"/>
-              <a:t>Recall and precision were roughly the same, which is why I only printed “recall” here. This is roughly on-target to the paper’s performance using positional bigrams; if we had used positional trigrams, it would have </a:t>
-            </a:r>
-            <a:r>
-              <a:rPr lang="en-US"/>
-              <a:t>performed better.</a:t>
+              <a:t>The numbers here are kinda strange, so I’m not sure how accurate the metrics are here. I do believe that word-wise metrics being in the neighborhood of 60% is accurate, but character-wise metrics may not be so accurate (and we were having issues getting them for the pre-processed data).</a:t>
             </a:r>
           </a:p>
         </p:txBody>
@@ -7766,8 +7770,8 @@
           </a:p>
         </p:txBody>
       </p:sp>
-      <mc:AlternateContent xmlns:mc="http://schemas.openxmlformats.org/markup-compatibility/2006">
-        <mc:Choice xmlns:a14="http://schemas.microsoft.com/office/drawing/2010/main" Requires="a14">
+      <mc:AlternateContent xmlns:mc="http://schemas.openxmlformats.org/markup-compatibility/2006" xmlns:a14="http://schemas.microsoft.com/office/drawing/2010/main">
+        <mc:Choice Requires="a14">
           <p:sp>
             <p:nvSpPr>
               <p:cNvPr id="3" name="Content Placeholder 2">
@@ -7917,7 +7921,7 @@
             </p:txBody>
           </p:sp>
         </mc:Choice>
-        <mc:Fallback>
+        <mc:Fallback xmlns="">
           <p:sp>
             <p:nvSpPr>
               <p:cNvPr id="3" name="Content Placeholder 2">
@@ -8019,8 +8023,8 @@
           </a:p>
         </p:txBody>
       </p:sp>
-      <mc:AlternateContent xmlns:mc="http://schemas.openxmlformats.org/markup-compatibility/2006">
-        <mc:Choice xmlns:a14="http://schemas.microsoft.com/office/drawing/2010/main" Requires="a14">
+      <mc:AlternateContent xmlns:mc="http://schemas.openxmlformats.org/markup-compatibility/2006" xmlns:a14="http://schemas.microsoft.com/office/drawing/2010/main">
+        <mc:Choice Requires="a14">
           <p:sp>
             <p:nvSpPr>
               <p:cNvPr id="3" name="Content Placeholder 2">
@@ -8187,7 +8191,7 @@
             </p:txBody>
           </p:sp>
         </mc:Choice>
-        <mc:Fallback>
+        <mc:Fallback xmlns="">
           <p:sp>
             <p:nvSpPr>
               <p:cNvPr id="3" name="Content Placeholder 2">
@@ -8285,8 +8289,8 @@
           </a:p>
         </p:txBody>
       </p:sp>
-      <mc:AlternateContent xmlns:mc="http://schemas.openxmlformats.org/markup-compatibility/2006">
-        <mc:Choice xmlns:a14="http://schemas.microsoft.com/office/drawing/2010/main" Requires="a14">
+      <mc:AlternateContent xmlns:mc="http://schemas.openxmlformats.org/markup-compatibility/2006" xmlns:a14="http://schemas.microsoft.com/office/drawing/2010/main">
+        <mc:Choice Requires="a14">
           <p:sp>
             <p:nvSpPr>
               <p:cNvPr id="3" name="Content Placeholder 2">
@@ -8616,7 +8620,7 @@
             </p:txBody>
           </p:sp>
         </mc:Choice>
-        <mc:Fallback>
+        <mc:Fallback xmlns="">
           <p:sp>
             <p:nvSpPr>
               <p:cNvPr id="3" name="Content Placeholder 2">
@@ -8714,8 +8718,8 @@
           </a:p>
         </p:txBody>
       </p:sp>
-      <mc:AlternateContent xmlns:mc="http://schemas.openxmlformats.org/markup-compatibility/2006">
-        <mc:Choice xmlns:a14="http://schemas.microsoft.com/office/drawing/2010/main" Requires="a14">
+      <mc:AlternateContent xmlns:mc="http://schemas.openxmlformats.org/markup-compatibility/2006" xmlns:a14="http://schemas.microsoft.com/office/drawing/2010/main">
+        <mc:Choice Requires="a14">
           <p:sp>
             <p:nvSpPr>
               <p:cNvPr id="3" name="Content Placeholder 2">
@@ -8848,7 +8852,7 @@
             </p:txBody>
           </p:sp>
         </mc:Choice>
-        <mc:Fallback>
+        <mc:Fallback xmlns="">
           <p:sp>
             <p:nvSpPr>
               <p:cNvPr id="3" name="Content Placeholder 2">
@@ -10964,8 +10968,8 @@
           </a:p>
         </p:txBody>
       </p:sp>
-      <mc:AlternateContent xmlns:mc="http://schemas.openxmlformats.org/markup-compatibility/2006">
-        <mc:Choice xmlns:a14="http://schemas.microsoft.com/office/drawing/2010/main" Requires="a14">
+      <mc:AlternateContent xmlns:mc="http://schemas.openxmlformats.org/markup-compatibility/2006" xmlns:a14="http://schemas.microsoft.com/office/drawing/2010/main">
+        <mc:Choice Requires="a14">
           <p:sp>
             <p:nvSpPr>
               <p:cNvPr id="3" name="Content Placeholder 2">
@@ -11056,7 +11060,7 @@
             </p:txBody>
           </p:sp>
         </mc:Choice>
-        <mc:Fallback>
+        <mc:Fallback xmlns="">
           <p:sp>
             <p:nvSpPr>
               <p:cNvPr id="3" name="Content Placeholder 2">
@@ -11158,41 +11162,306 @@
           </a:p>
         </p:txBody>
       </p:sp>
-      <p:pic>
-        <p:nvPicPr>
-          <p:cNvPr id="5" name="Content Placeholder 4" descr="A screenshot of a cell phone&#10;&#10;Description automatically generated">
+      <p:graphicFrame>
+        <p:nvGraphicFramePr>
+          <p:cNvPr id="7" name="Content Placeholder 6">
             <a:extLst>
               <a:ext uri="{FF2B5EF4-FFF2-40B4-BE49-F238E27FC236}">
-                <a16:creationId xmlns:a16="http://schemas.microsoft.com/office/drawing/2014/main" id="{47813256-2FFA-4E44-866F-BD1681103318}"/>
+                <a16:creationId xmlns:a16="http://schemas.microsoft.com/office/drawing/2014/main" id="{C6D43480-EB69-4546-9091-4AE0E286A025}"/>
               </a:ext>
             </a:extLst>
           </p:cNvPr>
-          <p:cNvPicPr>
-            <a:picLocks noGrp="1" noChangeAspect="1"/>
-          </p:cNvPicPr>
+          <p:cNvGraphicFramePr>
+            <a:graphicFrameLocks noGrp="1"/>
+          </p:cNvGraphicFramePr>
           <p:nvPr>
             <p:ph idx="1"/>
-          </p:nvPr>
-        </p:nvPicPr>
-        <p:blipFill>
-          <a:blip r:embed="rId3">
-            <a:extLst>
-              <a:ext uri="{28A0092B-C50C-407E-A947-70E740481C1C}">
-                <a14:useLocalDpi xmlns:a14="http://schemas.microsoft.com/office/drawing/2010/main" val="0"/>
-              </a:ext>
-            </a:extLst>
-          </a:blip>
-          <a:stretch>
-            <a:fillRect/>
-          </a:stretch>
-        </p:blipFill>
-        <p:spPr>
-          <a:xfrm>
-            <a:off x="913795" y="2915494"/>
-            <a:ext cx="10286037" cy="1326321"/>
-          </a:xfrm>
-        </p:spPr>
-      </p:pic>
+            <p:extLst>
+              <p:ext uri="{D42A27DB-BD31-4B8C-83A1-F6EECF244321}">
+                <p14:modId xmlns:p14="http://schemas.microsoft.com/office/powerpoint/2010/main" val="276413581"/>
+              </p:ext>
+            </p:extLst>
+          </p:nvPr>
+        </p:nvGraphicFramePr>
+        <p:xfrm>
+          <a:off x="914400" y="2095500"/>
+          <a:ext cx="10353675" cy="2123440"/>
+        </p:xfrm>
+        <a:graphic>
+          <a:graphicData uri="http://schemas.openxmlformats.org/drawingml/2006/table">
+            <a:tbl>
+              <a:tblPr firstRow="1" bandRow="1">
+                <a:tableStyleId>{5C22544A-7EE6-4342-B048-85BDC9FD1C3A}</a:tableStyleId>
+              </a:tblPr>
+              <a:tblGrid>
+                <a:gridCol w="3451225">
+                  <a:extLst>
+                    <a:ext uri="{9D8B030D-6E8A-4147-A177-3AD203B41FA5}">
+                      <a16:colId xmlns:a16="http://schemas.microsoft.com/office/drawing/2014/main" val="379330079"/>
+                    </a:ext>
+                  </a:extLst>
+                </a:gridCol>
+                <a:gridCol w="3451225">
+                  <a:extLst>
+                    <a:ext uri="{9D8B030D-6E8A-4147-A177-3AD203B41FA5}">
+                      <a16:colId xmlns:a16="http://schemas.microsoft.com/office/drawing/2014/main" val="4105455082"/>
+                    </a:ext>
+                  </a:extLst>
+                </a:gridCol>
+                <a:gridCol w="3451225">
+                  <a:extLst>
+                    <a:ext uri="{9D8B030D-6E8A-4147-A177-3AD203B41FA5}">
+                      <a16:colId xmlns:a16="http://schemas.microsoft.com/office/drawing/2014/main" val="2821873249"/>
+                    </a:ext>
+                  </a:extLst>
+                </a:gridCol>
+              </a:tblGrid>
+              <a:tr h="370840">
+                <a:tc>
+                  <a:txBody>
+                    <a:bodyPr/>
+                    <a:lstStyle/>
+                    <a:p>
+                      <a:pPr algn="ctr"/>
+                      <a:endParaRPr lang="en-US" dirty="0"/>
+                    </a:p>
+                  </a:txBody>
+                  <a:tcPr/>
+                </a:tc>
+                <a:tc>
+                  <a:txBody>
+                    <a:bodyPr/>
+                    <a:lstStyle/>
+                    <a:p>
+                      <a:pPr algn="ctr"/>
+                      <a:r>
+                        <a:rPr lang="en-US" dirty="0"/>
+                        <a:t>Tesseract</a:t>
+                      </a:r>
+                    </a:p>
+                  </a:txBody>
+                  <a:tcPr/>
+                </a:tc>
+                <a:tc>
+                  <a:txBody>
+                    <a:bodyPr/>
+                    <a:lstStyle/>
+                    <a:p>
+                      <a:pPr algn="ctr"/>
+                      <a:r>
+                        <a:rPr lang="en-US" dirty="0"/>
+                        <a:t>Tesseract w/ post-processing</a:t>
+                      </a:r>
+                    </a:p>
+                  </a:txBody>
+                  <a:tcPr/>
+                </a:tc>
+                <a:extLst>
+                  <a:ext uri="{0D108BD9-81ED-4DB2-BD59-A6C34878D82A}">
+                    <a16:rowId xmlns:a16="http://schemas.microsoft.com/office/drawing/2014/main" val="1906510504"/>
+                  </a:ext>
+                </a:extLst>
+              </a:tr>
+              <a:tr h="370840">
+                <a:tc>
+                  <a:txBody>
+                    <a:bodyPr/>
+                    <a:lstStyle/>
+                    <a:p>
+                      <a:pPr algn="ctr"/>
+                      <a:r>
+                        <a:rPr lang="en-US" dirty="0"/>
+                        <a:t>Word-wise recall</a:t>
+                      </a:r>
+                    </a:p>
+                  </a:txBody>
+                  <a:tcPr/>
+                </a:tc>
+                <a:tc>
+                  <a:txBody>
+                    <a:bodyPr/>
+                    <a:lstStyle/>
+                    <a:p>
+                      <a:pPr algn="ctr"/>
+                      <a:r>
+                        <a:rPr lang="en-US" dirty="0"/>
+                        <a:t>60.4%</a:t>
+                      </a:r>
+                    </a:p>
+                  </a:txBody>
+                  <a:tcPr/>
+                </a:tc>
+                <a:tc>
+                  <a:txBody>
+                    <a:bodyPr/>
+                    <a:lstStyle/>
+                    <a:p>
+                      <a:pPr algn="ctr"/>
+                      <a:r>
+                        <a:rPr lang="en-US" dirty="0"/>
+                        <a:t>63.7%</a:t>
+                      </a:r>
+                    </a:p>
+                  </a:txBody>
+                  <a:tcPr/>
+                </a:tc>
+                <a:extLst>
+                  <a:ext uri="{0D108BD9-81ED-4DB2-BD59-A6C34878D82A}">
+                    <a16:rowId xmlns:a16="http://schemas.microsoft.com/office/drawing/2014/main" val="352517406"/>
+                  </a:ext>
+                </a:extLst>
+              </a:tr>
+              <a:tr h="370840">
+                <a:tc>
+                  <a:txBody>
+                    <a:bodyPr/>
+                    <a:lstStyle/>
+                    <a:p>
+                      <a:pPr algn="ctr"/>
+                      <a:r>
+                        <a:rPr lang="en-US" dirty="0"/>
+                        <a:t>Word-wise precision</a:t>
+                      </a:r>
+                    </a:p>
+                  </a:txBody>
+                  <a:tcPr/>
+                </a:tc>
+                <a:tc>
+                  <a:txBody>
+                    <a:bodyPr/>
+                    <a:lstStyle/>
+                    <a:p>
+                      <a:pPr algn="ctr"/>
+                      <a:r>
+                        <a:rPr lang="en-US" dirty="0"/>
+                        <a:t>60.4%</a:t>
+                      </a:r>
+                    </a:p>
+                  </a:txBody>
+                  <a:tcPr/>
+                </a:tc>
+                <a:tc>
+                  <a:txBody>
+                    <a:bodyPr/>
+                    <a:lstStyle/>
+                    <a:p>
+                      <a:pPr algn="ctr"/>
+                      <a:r>
+                        <a:rPr lang="en-US" dirty="0"/>
+                        <a:t>63.7%</a:t>
+                      </a:r>
+                    </a:p>
+                  </a:txBody>
+                  <a:tcPr/>
+                </a:tc>
+                <a:extLst>
+                  <a:ext uri="{0D108BD9-81ED-4DB2-BD59-A6C34878D82A}">
+                    <a16:rowId xmlns:a16="http://schemas.microsoft.com/office/drawing/2014/main" val="4125528537"/>
+                  </a:ext>
+                </a:extLst>
+              </a:tr>
+              <a:tr h="370840">
+                <a:tc>
+                  <a:txBody>
+                    <a:bodyPr/>
+                    <a:lstStyle/>
+                    <a:p>
+                      <a:pPr algn="ctr"/>
+                      <a:r>
+                        <a:rPr lang="en-US" dirty="0"/>
+                        <a:t>Character-wise recall</a:t>
+                      </a:r>
+                    </a:p>
+                  </a:txBody>
+                  <a:tcPr/>
+                </a:tc>
+                <a:tc>
+                  <a:txBody>
+                    <a:bodyPr/>
+                    <a:lstStyle/>
+                    <a:p>
+                      <a:pPr algn="ctr"/>
+                      <a:r>
+                        <a:rPr lang="en-US" dirty="0"/>
+                        <a:t>?</a:t>
+                      </a:r>
+                    </a:p>
+                  </a:txBody>
+                  <a:tcPr/>
+                </a:tc>
+                <a:tc>
+                  <a:txBody>
+                    <a:bodyPr/>
+                    <a:lstStyle/>
+                    <a:p>
+                      <a:pPr algn="ctr"/>
+                      <a:r>
+                        <a:rPr lang="en-US" dirty="0"/>
+                        <a:t>96.6%</a:t>
+                      </a:r>
+                    </a:p>
+                  </a:txBody>
+                  <a:tcPr/>
+                </a:tc>
+                <a:extLst>
+                  <a:ext uri="{0D108BD9-81ED-4DB2-BD59-A6C34878D82A}">
+                    <a16:rowId xmlns:a16="http://schemas.microsoft.com/office/drawing/2014/main" val="3319337898"/>
+                  </a:ext>
+                </a:extLst>
+              </a:tr>
+              <a:tr h="370840">
+                <a:tc>
+                  <a:txBody>
+                    <a:bodyPr/>
+                    <a:lstStyle/>
+                    <a:p>
+                      <a:pPr algn="ctr"/>
+                      <a:r>
+                        <a:rPr lang="en-US" dirty="0"/>
+                        <a:t>Character-wise precision</a:t>
+                      </a:r>
+                    </a:p>
+                  </a:txBody>
+                  <a:tcPr/>
+                </a:tc>
+                <a:tc>
+                  <a:txBody>
+                    <a:bodyPr/>
+                    <a:lstStyle/>
+                    <a:p>
+                      <a:pPr algn="ctr"/>
+                      <a:r>
+                        <a:rPr lang="en-US" dirty="0"/>
+                        <a:t>?</a:t>
+                      </a:r>
+                    </a:p>
+                  </a:txBody>
+                  <a:tcPr/>
+                </a:tc>
+                <a:tc>
+                  <a:txBody>
+                    <a:bodyPr/>
+                    <a:lstStyle/>
+                    <a:p>
+                      <a:pPr algn="ctr"/>
+                      <a:r>
+                        <a:rPr lang="en-US" dirty="0"/>
+                        <a:t>93.4%</a:t>
+                      </a:r>
+                    </a:p>
+                  </a:txBody>
+                  <a:tcPr/>
+                </a:tc>
+                <a:extLst>
+                  <a:ext uri="{0D108BD9-81ED-4DB2-BD59-A6C34878D82A}">
+                    <a16:rowId xmlns:a16="http://schemas.microsoft.com/office/drawing/2014/main" val="1452885995"/>
+                  </a:ext>
+                </a:extLst>
+              </a:tr>
+            </a:tbl>
+          </a:graphicData>
+        </a:graphic>
+      </p:graphicFrame>
     </p:spTree>
     <p:extLst>
       <p:ext uri="{BB962C8B-B14F-4D97-AF65-F5344CB8AC3E}">
@@ -11867,8 +12136,8 @@
           </a:p>
         </p:txBody>
       </p:sp>
-      <mc:AlternateContent xmlns:mc="http://schemas.openxmlformats.org/markup-compatibility/2006">
-        <mc:Choice xmlns:a14="http://schemas.microsoft.com/office/drawing/2010/main" Requires="a14">
+      <mc:AlternateContent xmlns:mc="http://schemas.openxmlformats.org/markup-compatibility/2006" xmlns:a14="http://schemas.microsoft.com/office/drawing/2010/main">
+        <mc:Choice Requires="a14">
           <p:sp>
             <p:nvSpPr>
               <p:cNvPr id="3" name="Content Placeholder 2">
@@ -12438,7 +12707,7 @@
             </p:txBody>
           </p:sp>
         </mc:Choice>
-        <mc:Fallback>
+        <mc:Fallback xmlns="">
           <p:sp>
             <p:nvSpPr>
               <p:cNvPr id="3" name="Content Placeholder 2">
@@ -12536,8 +12805,8 @@
           </a:p>
         </p:txBody>
       </p:sp>
-      <mc:AlternateContent xmlns:mc="http://schemas.openxmlformats.org/markup-compatibility/2006">
-        <mc:Choice xmlns:a14="http://schemas.microsoft.com/office/drawing/2010/main" Requires="a14">
+      <mc:AlternateContent xmlns:mc="http://schemas.openxmlformats.org/markup-compatibility/2006" xmlns:a14="http://schemas.microsoft.com/office/drawing/2010/main">
+        <mc:Choice Requires="a14">
           <p:sp>
             <p:nvSpPr>
               <p:cNvPr id="3" name="Content Placeholder 2">
@@ -12896,7 +13165,7 @@
             </p:txBody>
           </p:sp>
         </mc:Choice>
-        <mc:Fallback>
+        <mc:Fallback xmlns="">
           <p:sp>
             <p:nvSpPr>
               <p:cNvPr id="3" name="Content Placeholder 2">
@@ -13040,8 +13309,8 @@
           </a:p>
         </p:txBody>
       </p:sp>
-      <mc:AlternateContent xmlns:mc="http://schemas.openxmlformats.org/markup-compatibility/2006">
-        <mc:Choice xmlns:a14="http://schemas.microsoft.com/office/drawing/2010/main" Requires="a14">
+      <mc:AlternateContent xmlns:mc="http://schemas.openxmlformats.org/markup-compatibility/2006" xmlns:a14="http://schemas.microsoft.com/office/drawing/2010/main">
+        <mc:Choice Requires="a14">
           <p:sp>
             <p:nvSpPr>
               <p:cNvPr id="3" name="Content Placeholder 2">
@@ -13485,7 +13754,7 @@
             </p:txBody>
           </p:sp>
         </mc:Choice>
-        <mc:Fallback>
+        <mc:Fallback xmlns="">
           <p:sp>
             <p:nvSpPr>
               <p:cNvPr id="3" name="Content Placeholder 2">
@@ -13587,8 +13856,8 @@
           </a:p>
         </p:txBody>
       </p:sp>
-      <mc:AlternateContent xmlns:mc="http://schemas.openxmlformats.org/markup-compatibility/2006">
-        <mc:Choice xmlns:a14="http://schemas.microsoft.com/office/drawing/2010/main" Requires="a14">
+      <mc:AlternateContent xmlns:mc="http://schemas.openxmlformats.org/markup-compatibility/2006" xmlns:a14="http://schemas.microsoft.com/office/drawing/2010/main">
+        <mc:Choice Requires="a14">
           <p:sp>
             <p:nvSpPr>
               <p:cNvPr id="3" name="Content Placeholder 2">
@@ -14022,7 +14291,7 @@
             </p:txBody>
           </p:sp>
         </mc:Choice>
-        <mc:Fallback>
+        <mc:Fallback xmlns="">
           <p:sp>
             <p:nvSpPr>
               <p:cNvPr id="3" name="Content Placeholder 2">
@@ -14120,8 +14389,8 @@
           </a:p>
         </p:txBody>
       </p:sp>
-      <mc:AlternateContent xmlns:mc="http://schemas.openxmlformats.org/markup-compatibility/2006">
-        <mc:Choice xmlns:a14="http://schemas.microsoft.com/office/drawing/2010/main" Requires="a14">
+      <mc:AlternateContent xmlns:mc="http://schemas.openxmlformats.org/markup-compatibility/2006" xmlns:a14="http://schemas.microsoft.com/office/drawing/2010/main">
+        <mc:Choice Requires="a14">
           <p:sp>
             <p:nvSpPr>
               <p:cNvPr id="3" name="Content Placeholder 2">
@@ -14270,13 +14539,7 @@
                         <a:rPr lang="en-US" b="0" i="1" smtClean="0">
                           <a:latin typeface="Cambria Math" panose="02040503050406030204" pitchFamily="18" charset="0"/>
                         </a:rPr>
-                        <m:t>𝑡𝑟𝑎</m:t>
-                      </m:r>
-                      <m:r>
-                        <a:rPr lang="en-US" b="0" i="1" smtClean="0">
-                          <a:latin typeface="Cambria Math" panose="02040503050406030204" pitchFamily="18" charset="0"/>
-                        </a:rPr>
-                        <m:t>𝑖𝑛</m:t>
+                        <m:t>𝑡𝑟𝑎𝑖𝑛</m:t>
                       </m:r>
                     </m:oMath>
                   </m:oMathPara>
@@ -14304,7 +14567,7 @@
             </p:txBody>
           </p:sp>
         </mc:Choice>
-        <mc:Fallback>
+        <mc:Fallback xmlns="">
           <p:sp>
             <p:nvSpPr>
               <p:cNvPr id="3" name="Content Placeholder 2">
